--- a/Introduction to Git and GitHub/sources/Introduction to Git and GitHub.pptx
+++ b/Introduction to Git and GitHub/sources/Introduction to Git and GitHub.pptx
@@ -216,7 +216,7 @@
           <a:p>
             <a:fld id="{C79DBFD8-7059-4DB4-A6E7-5349FF3CA56D}" type="datetimeFigureOut">
               <a:rPr lang="zh-CN" altLang="en-US" smtClean="0"/>
-              <a:t>2012/10/10</a:t>
+              <a:t>2012/10/11</a:t>
             </a:fld>
             <a:endParaRPr lang="zh-CN" altLang="en-US"/>
           </a:p>
@@ -665,7 +665,7 @@
           <a:p>
             <a:fld id="{530820CF-B880-4189-942D-D702A7CBA730}" type="datetimeFigureOut">
               <a:rPr lang="zh-CN" altLang="en-US" smtClean="0"/>
-              <a:t>2012/10/10</a:t>
+              <a:t>2012/10/11</a:t>
             </a:fld>
             <a:endParaRPr lang="zh-CN" altLang="en-US"/>
           </a:p>
@@ -830,7 +830,7 @@
           <a:p>
             <a:fld id="{530820CF-B880-4189-942D-D702A7CBA730}" type="datetimeFigureOut">
               <a:rPr lang="zh-CN" altLang="en-US" smtClean="0"/>
-              <a:t>2012/10/10</a:t>
+              <a:t>2012/10/11</a:t>
             </a:fld>
             <a:endParaRPr lang="zh-CN" altLang="en-US"/>
           </a:p>
@@ -1005,7 +1005,7 @@
           <a:p>
             <a:fld id="{530820CF-B880-4189-942D-D702A7CBA730}" type="datetimeFigureOut">
               <a:rPr lang="zh-CN" altLang="en-US" smtClean="0"/>
-              <a:t>2012/10/10</a:t>
+              <a:t>2012/10/11</a:t>
             </a:fld>
             <a:endParaRPr lang="zh-CN" altLang="en-US"/>
           </a:p>
@@ -1170,7 +1170,7 @@
           <a:p>
             <a:fld id="{530820CF-B880-4189-942D-D702A7CBA730}" type="datetimeFigureOut">
               <a:rPr lang="zh-CN" altLang="en-US" smtClean="0"/>
-              <a:t>2012/10/10</a:t>
+              <a:t>2012/10/11</a:t>
             </a:fld>
             <a:endParaRPr lang="zh-CN" altLang="en-US"/>
           </a:p>
@@ -1411,7 +1411,7 @@
           <a:p>
             <a:fld id="{530820CF-B880-4189-942D-D702A7CBA730}" type="datetimeFigureOut">
               <a:rPr lang="zh-CN" altLang="en-US" smtClean="0"/>
-              <a:t>2012/10/10</a:t>
+              <a:t>2012/10/11</a:t>
             </a:fld>
             <a:endParaRPr lang="zh-CN" altLang="en-US"/>
           </a:p>
@@ -1694,7 +1694,7 @@
           <a:p>
             <a:fld id="{530820CF-B880-4189-942D-D702A7CBA730}" type="datetimeFigureOut">
               <a:rPr lang="zh-CN" altLang="en-US" smtClean="0"/>
-              <a:t>2012/10/10</a:t>
+              <a:t>2012/10/11</a:t>
             </a:fld>
             <a:endParaRPr lang="zh-CN" altLang="en-US"/>
           </a:p>
@@ -2111,7 +2111,7 @@
           <a:p>
             <a:fld id="{530820CF-B880-4189-942D-D702A7CBA730}" type="datetimeFigureOut">
               <a:rPr lang="zh-CN" altLang="en-US" smtClean="0"/>
-              <a:t>2012/10/10</a:t>
+              <a:t>2012/10/11</a:t>
             </a:fld>
             <a:endParaRPr lang="zh-CN" altLang="en-US"/>
           </a:p>
@@ -2224,7 +2224,7 @@
           <a:p>
             <a:fld id="{530820CF-B880-4189-942D-D702A7CBA730}" type="datetimeFigureOut">
               <a:rPr lang="zh-CN" altLang="en-US" smtClean="0"/>
-              <a:t>2012/10/10</a:t>
+              <a:t>2012/10/11</a:t>
             </a:fld>
             <a:endParaRPr lang="zh-CN" altLang="en-US"/>
           </a:p>
@@ -2314,7 +2314,7 @@
           <a:p>
             <a:fld id="{530820CF-B880-4189-942D-D702A7CBA730}" type="datetimeFigureOut">
               <a:rPr lang="zh-CN" altLang="en-US" smtClean="0"/>
-              <a:t>2012/10/10</a:t>
+              <a:t>2012/10/11</a:t>
             </a:fld>
             <a:endParaRPr lang="zh-CN" altLang="en-US"/>
           </a:p>
@@ -2586,7 +2586,7 @@
           <a:p>
             <a:fld id="{530820CF-B880-4189-942D-D702A7CBA730}" type="datetimeFigureOut">
               <a:rPr lang="zh-CN" altLang="en-US" smtClean="0"/>
-              <a:t>2012/10/10</a:t>
+              <a:t>2012/10/11</a:t>
             </a:fld>
             <a:endParaRPr lang="zh-CN" altLang="en-US"/>
           </a:p>
@@ -2834,7 +2834,7 @@
           <a:p>
             <a:fld id="{530820CF-B880-4189-942D-D702A7CBA730}" type="datetimeFigureOut">
               <a:rPr lang="zh-CN" altLang="en-US" smtClean="0"/>
-              <a:t>2012/10/10</a:t>
+              <a:t>2012/10/11</a:t>
             </a:fld>
             <a:endParaRPr lang="zh-CN" altLang="en-US"/>
           </a:p>
@@ -3042,7 +3042,7 @@
           <a:p>
             <a:fld id="{530820CF-B880-4189-942D-D702A7CBA730}" type="datetimeFigureOut">
               <a:rPr lang="zh-CN" altLang="en-US" smtClean="0"/>
-              <a:t>2012/10/10</a:t>
+              <a:t>2012/10/11</a:t>
             </a:fld>
             <a:endParaRPr lang="zh-CN" altLang="en-US"/>
           </a:p>
@@ -5529,105 +5529,1236 @@
           <a:chExt cx="0" cy="0"/>
         </a:xfrm>
       </p:grpSpPr>
-      <p:cxnSp>
-        <p:nvCxnSpPr>
-          <p:cNvPr id="40" name="直接连接符 39"/>
-          <p:cNvCxnSpPr/>
-          <p:nvPr/>
-        </p:nvCxnSpPr>
-        <p:spPr>
-          <a:xfrm>
-            <a:off x="1979712" y="2924944"/>
-            <a:ext cx="6936352" cy="0"/>
-          </a:xfrm>
-          <a:prstGeom prst="line">
-            <a:avLst/>
-          </a:prstGeom>
-          <a:ln w="76200">
-            <a:solidFill>
-              <a:schemeClr val="tx1"/>
-            </a:solidFill>
-          </a:ln>
-        </p:spPr>
-        <p:style>
-          <a:lnRef idx="1">
-            <a:schemeClr val="accent6"/>
-          </a:lnRef>
-          <a:fillRef idx="0">
-            <a:schemeClr val="accent6"/>
-          </a:fillRef>
-          <a:effectRef idx="0">
-            <a:schemeClr val="accent6"/>
-          </a:effectRef>
-          <a:fontRef idx="minor">
-            <a:schemeClr val="tx1"/>
-          </a:fontRef>
-        </p:style>
-      </p:cxnSp>
-      <p:sp>
-        <p:nvSpPr>
-          <p:cNvPr id="7" name="TextBox 6"/>
-          <p:cNvSpPr txBox="1"/>
-          <p:nvPr/>
-        </p:nvSpPr>
-        <p:spPr>
-          <a:xfrm>
-            <a:off x="6409812" y="116632"/>
-            <a:ext cx="2482628" cy="523220"/>
-          </a:xfrm>
-          <a:prstGeom prst="rect">
-            <a:avLst/>
-          </a:prstGeom>
-          <a:noFill/>
-        </p:spPr>
-        <p:txBody>
-          <a:bodyPr wrap="square" rtlCol="0">
-            <a:spAutoFit/>
-          </a:bodyPr>
-          <a:lstStyle/>
-          <a:p>
-            <a:r>
-              <a:rPr lang="en-US" altLang="zh-CN" sz="2800" b="1" dirty="0" err="1" smtClean="0"/>
-              <a:t>ToyhouseChina</a:t>
-            </a:r>
-            <a:endParaRPr lang="zh-CN" altLang="en-US" sz="2800" b="1" dirty="0"/>
-          </a:p>
-        </p:txBody>
-      </p:sp>
       <p:grpSp>
         <p:nvGrpSpPr>
-          <p:cNvPr id="22" name="组合 21"/>
+          <p:cNvPr id="11" name="组合 10"/>
           <p:cNvGrpSpPr/>
           <p:nvPr/>
         </p:nvGrpSpPr>
         <p:grpSpPr>
           <a:xfrm>
-            <a:off x="2311024" y="188640"/>
-            <a:ext cx="4349208" cy="2578490"/>
-            <a:chOff x="3034962" y="304033"/>
-            <a:chExt cx="4349208" cy="2578490"/>
+            <a:off x="323528" y="116632"/>
+            <a:ext cx="8712968" cy="6722028"/>
+            <a:chOff x="323528" y="116632"/>
+            <a:chExt cx="8712968" cy="6722028"/>
           </a:xfrm>
         </p:grpSpPr>
+        <p:grpSp>
+          <p:nvGrpSpPr>
+            <p:cNvPr id="6" name="组合 5"/>
+            <p:cNvGrpSpPr/>
+            <p:nvPr/>
+          </p:nvGrpSpPr>
+          <p:grpSpPr>
+            <a:xfrm>
+              <a:off x="323528" y="116632"/>
+              <a:ext cx="8712968" cy="6624736"/>
+              <a:chOff x="323528" y="116632"/>
+              <a:chExt cx="8712968" cy="6624736"/>
+            </a:xfrm>
+          </p:grpSpPr>
+          <p:cxnSp>
+            <p:nvCxnSpPr>
+              <p:cNvPr id="40" name="直接连接符 39"/>
+              <p:cNvCxnSpPr/>
+              <p:nvPr/>
+            </p:nvCxnSpPr>
+            <p:spPr>
+              <a:xfrm>
+                <a:off x="1979712" y="2924944"/>
+                <a:ext cx="6936352" cy="0"/>
+              </a:xfrm>
+              <a:prstGeom prst="line">
+                <a:avLst/>
+              </a:prstGeom>
+              <a:ln w="76200">
+                <a:solidFill>
+                  <a:schemeClr val="tx1"/>
+                </a:solidFill>
+              </a:ln>
+            </p:spPr>
+            <p:style>
+              <a:lnRef idx="1">
+                <a:schemeClr val="accent6"/>
+              </a:lnRef>
+              <a:fillRef idx="0">
+                <a:schemeClr val="accent6"/>
+              </a:fillRef>
+              <a:effectRef idx="0">
+                <a:schemeClr val="accent6"/>
+              </a:effectRef>
+              <a:fontRef idx="minor">
+                <a:schemeClr val="tx1"/>
+              </a:fontRef>
+            </p:style>
+          </p:cxnSp>
+          <p:sp>
+            <p:nvSpPr>
+              <p:cNvPr id="7" name="TextBox 6"/>
+              <p:cNvSpPr txBox="1"/>
+              <p:nvPr/>
+            </p:nvSpPr>
+            <p:spPr>
+              <a:xfrm>
+                <a:off x="6409812" y="116632"/>
+                <a:ext cx="2482628" cy="523220"/>
+              </a:xfrm>
+              <a:prstGeom prst="rect">
+                <a:avLst/>
+              </a:prstGeom>
+              <a:noFill/>
+            </p:spPr>
+            <p:txBody>
+              <a:bodyPr wrap="square" rtlCol="0">
+                <a:spAutoFit/>
+              </a:bodyPr>
+              <a:lstStyle/>
+              <a:p>
+                <a:r>
+                  <a:rPr lang="en-US" altLang="zh-CN" sz="2800" b="1" dirty="0" err="1" smtClean="0"/>
+                  <a:t>ToyhouseChina</a:t>
+                </a:r>
+                <a:endParaRPr lang="zh-CN" altLang="en-US" sz="2800" b="1" dirty="0"/>
+              </a:p>
+            </p:txBody>
+          </p:sp>
+          <p:grpSp>
+            <p:nvGrpSpPr>
+              <p:cNvPr id="22" name="组合 21"/>
+              <p:cNvGrpSpPr/>
+              <p:nvPr/>
+            </p:nvGrpSpPr>
+            <p:grpSpPr>
+              <a:xfrm>
+                <a:off x="2311024" y="188640"/>
+                <a:ext cx="4349208" cy="2578490"/>
+                <a:chOff x="3034962" y="304033"/>
+                <a:chExt cx="4349208" cy="2578490"/>
+              </a:xfrm>
+            </p:grpSpPr>
+            <p:pic>
+              <p:nvPicPr>
+                <p:cNvPr id="4" name="图片 3"/>
+                <p:cNvPicPr>
+                  <a:picLocks noChangeAspect="1"/>
+                </p:cNvPicPr>
+                <p:nvPr/>
+              </p:nvPicPr>
+              <p:blipFill>
+                <a:blip r:embed="rId2">
+                  <a:extLst>
+                    <a:ext uri="{BEBA8EAE-BF5A-486C-A8C5-ECC9F3942E4B}">
+                      <a14:imgProps xmlns:a14="http://schemas.microsoft.com/office/drawing/2010/main">
+                        <a14:imgLayer r:embed="rId3">
+                          <a14:imgEffect>
+                            <a14:saturation sat="0"/>
+                          </a14:imgEffect>
+                        </a14:imgLayer>
+                      </a14:imgProps>
+                    </a:ext>
+                    <a:ext uri="{28A0092B-C50C-407E-A947-70E740481C1C}">
+                      <a14:useLocalDpi xmlns:a14="http://schemas.microsoft.com/office/drawing/2010/main" val="0"/>
+                    </a:ext>
+                  </a:extLst>
+                </a:blip>
+                <a:stretch>
+                  <a:fillRect/>
+                </a:stretch>
+              </p:blipFill>
+              <p:spPr>
+                <a:xfrm>
+                  <a:off x="3034962" y="304033"/>
+                  <a:ext cx="2401134" cy="2578490"/>
+                </a:xfrm>
+                <a:prstGeom prst="rect">
+                  <a:avLst/>
+                </a:prstGeom>
+              </p:spPr>
+            </p:pic>
+            <p:pic>
+              <p:nvPicPr>
+                <p:cNvPr id="8" name="图片 7"/>
+                <p:cNvPicPr>
+                  <a:picLocks noChangeAspect="1"/>
+                </p:cNvPicPr>
+                <p:nvPr/>
+              </p:nvPicPr>
+              <p:blipFill>
+                <a:blip r:embed="rId4">
+                  <a:extLst>
+                    <a:ext uri="{BEBA8EAE-BF5A-486C-A8C5-ECC9F3942E4B}">
+                      <a14:imgProps xmlns:a14="http://schemas.microsoft.com/office/drawing/2010/main">
+                        <a14:imgLayer r:embed="rId5">
+                          <a14:imgEffect>
+                            <a14:saturation sat="0"/>
+                          </a14:imgEffect>
+                        </a14:imgLayer>
+                      </a14:imgProps>
+                    </a:ext>
+                    <a:ext uri="{28A0092B-C50C-407E-A947-70E740481C1C}">
+                      <a14:useLocalDpi xmlns:a14="http://schemas.microsoft.com/office/drawing/2010/main" val="0"/>
+                    </a:ext>
+                  </a:extLst>
+                </a:blip>
+                <a:stretch>
+                  <a:fillRect/>
+                </a:stretch>
+              </p:blipFill>
+              <p:spPr>
+                <a:xfrm>
+                  <a:off x="5436096" y="402873"/>
+                  <a:ext cx="1948074" cy="1948074"/>
+                </a:xfrm>
+                <a:prstGeom prst="rect">
+                  <a:avLst/>
+                </a:prstGeom>
+              </p:spPr>
+            </p:pic>
+          </p:grpSp>
+          <p:sp>
+            <p:nvSpPr>
+              <p:cNvPr id="25" name="下箭头 24"/>
+              <p:cNvSpPr/>
+              <p:nvPr/>
+            </p:nvSpPr>
+            <p:spPr>
+              <a:xfrm rot="2700000">
+                <a:off x="3731810" y="2011156"/>
+                <a:ext cx="458647" cy="2905294"/>
+              </a:xfrm>
+              <a:prstGeom prst="downArrow">
+                <a:avLst>
+                  <a:gd name="adj1" fmla="val 50000"/>
+                  <a:gd name="adj2" fmla="val 46677"/>
+                </a:avLst>
+              </a:prstGeom>
+            </p:spPr>
+            <p:style>
+              <a:lnRef idx="2">
+                <a:schemeClr val="accent1">
+                  <a:shade val="50000"/>
+                </a:schemeClr>
+              </a:lnRef>
+              <a:fillRef idx="1">
+                <a:schemeClr val="accent1"/>
+              </a:fillRef>
+              <a:effectRef idx="0">
+                <a:schemeClr val="accent1"/>
+              </a:effectRef>
+              <a:fontRef idx="minor">
+                <a:schemeClr val="lt1"/>
+              </a:fontRef>
+            </p:style>
+            <p:txBody>
+              <a:bodyPr rtlCol="0" anchor="ctr"/>
+              <a:lstStyle/>
+              <a:p>
+                <a:pPr algn="ctr"/>
+                <a:endParaRPr lang="zh-CN" altLang="en-US"/>
+              </a:p>
+            </p:txBody>
+          </p:sp>
+          <p:sp>
+            <p:nvSpPr>
+              <p:cNvPr id="26" name="下箭头 25"/>
+              <p:cNvSpPr/>
+              <p:nvPr/>
+            </p:nvSpPr>
+            <p:spPr>
+              <a:xfrm rot="600000">
+                <a:off x="5329017" y="2613398"/>
+                <a:ext cx="458647" cy="1487450"/>
+              </a:xfrm>
+              <a:prstGeom prst="downArrow">
+                <a:avLst>
+                  <a:gd name="adj1" fmla="val 50000"/>
+                  <a:gd name="adj2" fmla="val 46677"/>
+                </a:avLst>
+              </a:prstGeom>
+            </p:spPr>
+            <p:style>
+              <a:lnRef idx="2">
+                <a:schemeClr val="accent1">
+                  <a:shade val="50000"/>
+                </a:schemeClr>
+              </a:lnRef>
+              <a:fillRef idx="1">
+                <a:schemeClr val="accent1"/>
+              </a:fillRef>
+              <a:effectRef idx="0">
+                <a:schemeClr val="accent1"/>
+              </a:effectRef>
+              <a:fontRef idx="minor">
+                <a:schemeClr val="lt1"/>
+              </a:fontRef>
+            </p:style>
+            <p:txBody>
+              <a:bodyPr rtlCol="0" anchor="ctr"/>
+              <a:lstStyle/>
+              <a:p>
+                <a:pPr algn="ctr"/>
+                <a:endParaRPr lang="zh-CN" altLang="en-US"/>
+              </a:p>
+            </p:txBody>
+          </p:sp>
+          <p:sp>
+            <p:nvSpPr>
+              <p:cNvPr id="27" name="下箭头 26"/>
+              <p:cNvSpPr/>
+              <p:nvPr/>
+            </p:nvSpPr>
+            <p:spPr>
+              <a:xfrm rot="-2700000">
+                <a:off x="6980227" y="2045706"/>
+                <a:ext cx="433158" cy="2446520"/>
+              </a:xfrm>
+              <a:prstGeom prst="downArrow">
+                <a:avLst>
+                  <a:gd name="adj1" fmla="val 50000"/>
+                  <a:gd name="adj2" fmla="val 46677"/>
+                </a:avLst>
+              </a:prstGeom>
+            </p:spPr>
+            <p:style>
+              <a:lnRef idx="2">
+                <a:schemeClr val="accent1">
+                  <a:shade val="50000"/>
+                </a:schemeClr>
+              </a:lnRef>
+              <a:fillRef idx="1">
+                <a:schemeClr val="accent1"/>
+              </a:fillRef>
+              <a:effectRef idx="0">
+                <a:schemeClr val="accent1"/>
+              </a:effectRef>
+              <a:fontRef idx="minor">
+                <a:schemeClr val="lt1"/>
+              </a:fontRef>
+            </p:style>
+            <p:txBody>
+              <a:bodyPr rtlCol="0" anchor="ctr"/>
+              <a:lstStyle/>
+              <a:p>
+                <a:pPr algn="ctr"/>
+                <a:endParaRPr lang="zh-CN" altLang="en-US"/>
+              </a:p>
+            </p:txBody>
+          </p:sp>
+          <p:sp>
+            <p:nvSpPr>
+              <p:cNvPr id="28" name="TextBox 27"/>
+              <p:cNvSpPr txBox="1"/>
+              <p:nvPr/>
+            </p:nvSpPr>
+            <p:spPr>
+              <a:xfrm rot="-2700000">
+                <a:off x="2633122" y="3272019"/>
+                <a:ext cx="1569812" cy="461665"/>
+              </a:xfrm>
+              <a:prstGeom prst="rect">
+                <a:avLst/>
+              </a:prstGeom>
+              <a:noFill/>
+            </p:spPr>
+            <p:txBody>
+              <a:bodyPr wrap="square" rtlCol="0">
+                <a:spAutoFit/>
+              </a:bodyPr>
+              <a:lstStyle/>
+              <a:p>
+                <a:r>
+                  <a:rPr lang="en-US" altLang="zh-CN" sz="2400" b="1" dirty="0" smtClean="0"/>
+                  <a:t>FORK</a:t>
+                </a:r>
+                <a:endParaRPr lang="zh-CN" altLang="en-US" sz="2400" b="1" dirty="0"/>
+              </a:p>
+            </p:txBody>
+          </p:sp>
+          <p:sp>
+            <p:nvSpPr>
+              <p:cNvPr id="29" name="TextBox 28"/>
+              <p:cNvSpPr txBox="1"/>
+              <p:nvPr/>
+            </p:nvSpPr>
+            <p:spPr>
+              <a:xfrm rot="6000000">
+                <a:off x="4359574" y="3507177"/>
+                <a:ext cx="1569812" cy="461665"/>
+              </a:xfrm>
+              <a:prstGeom prst="rect">
+                <a:avLst/>
+              </a:prstGeom>
+              <a:noFill/>
+            </p:spPr>
+            <p:txBody>
+              <a:bodyPr wrap="square" rtlCol="0">
+                <a:spAutoFit/>
+              </a:bodyPr>
+              <a:lstStyle/>
+              <a:p>
+                <a:r>
+                  <a:rPr lang="en-US" altLang="zh-CN" sz="2400" b="1" dirty="0" smtClean="0"/>
+                  <a:t>FORK</a:t>
+                </a:r>
+                <a:endParaRPr lang="zh-CN" altLang="en-US" sz="2400" b="1" dirty="0"/>
+              </a:p>
+            </p:txBody>
+          </p:sp>
+          <p:sp>
+            <p:nvSpPr>
+              <p:cNvPr id="30" name="TextBox 27"/>
+              <p:cNvSpPr txBox="1"/>
+              <p:nvPr/>
+            </p:nvSpPr>
+            <p:spPr>
+              <a:xfrm rot="2700000">
+                <a:off x="7383313" y="3406148"/>
+                <a:ext cx="1569812" cy="461665"/>
+              </a:xfrm>
+              <a:prstGeom prst="rect">
+                <a:avLst/>
+              </a:prstGeom>
+              <a:noFill/>
+            </p:spPr>
+            <p:txBody>
+              <a:bodyPr wrap="square" rtlCol="0">
+                <a:spAutoFit/>
+              </a:bodyPr>
+              <a:lstStyle>
+                <a:defPPr>
+                  <a:defRPr lang="zh-CN"/>
+                </a:defPPr>
+                <a:lvl1pPr marL="0" algn="l" defTabSz="914400" rtl="0" eaLnBrk="1" latinLnBrk="0" hangingPunct="1">
+                  <a:defRPr sz="1800" kern="1200">
+                    <a:solidFill>
+                      <a:schemeClr val="tx1"/>
+                    </a:solidFill>
+                    <a:latin typeface="+mn-lt"/>
+                    <a:ea typeface="+mn-ea"/>
+                    <a:cs typeface="+mn-cs"/>
+                  </a:defRPr>
+                </a:lvl1pPr>
+                <a:lvl2pPr marL="457200" algn="l" defTabSz="914400" rtl="0" eaLnBrk="1" latinLnBrk="0" hangingPunct="1">
+                  <a:defRPr sz="1800" kern="1200">
+                    <a:solidFill>
+                      <a:schemeClr val="tx1"/>
+                    </a:solidFill>
+                    <a:latin typeface="+mn-lt"/>
+                    <a:ea typeface="+mn-ea"/>
+                    <a:cs typeface="+mn-cs"/>
+                  </a:defRPr>
+                </a:lvl2pPr>
+                <a:lvl3pPr marL="914400" algn="l" defTabSz="914400" rtl="0" eaLnBrk="1" latinLnBrk="0" hangingPunct="1">
+                  <a:defRPr sz="1800" kern="1200">
+                    <a:solidFill>
+                      <a:schemeClr val="tx1"/>
+                    </a:solidFill>
+                    <a:latin typeface="+mn-lt"/>
+                    <a:ea typeface="+mn-ea"/>
+                    <a:cs typeface="+mn-cs"/>
+                  </a:defRPr>
+                </a:lvl3pPr>
+                <a:lvl4pPr marL="1371600" algn="l" defTabSz="914400" rtl="0" eaLnBrk="1" latinLnBrk="0" hangingPunct="1">
+                  <a:defRPr sz="1800" kern="1200">
+                    <a:solidFill>
+                      <a:schemeClr val="tx1"/>
+                    </a:solidFill>
+                    <a:latin typeface="+mn-lt"/>
+                    <a:ea typeface="+mn-ea"/>
+                    <a:cs typeface="+mn-cs"/>
+                  </a:defRPr>
+                </a:lvl4pPr>
+                <a:lvl5pPr marL="1828800" algn="l" defTabSz="914400" rtl="0" eaLnBrk="1" latinLnBrk="0" hangingPunct="1">
+                  <a:defRPr sz="1800" kern="1200">
+                    <a:solidFill>
+                      <a:schemeClr val="tx1"/>
+                    </a:solidFill>
+                    <a:latin typeface="+mn-lt"/>
+                    <a:ea typeface="+mn-ea"/>
+                    <a:cs typeface="+mn-cs"/>
+                  </a:defRPr>
+                </a:lvl5pPr>
+                <a:lvl6pPr marL="2286000" algn="l" defTabSz="914400" rtl="0" eaLnBrk="1" latinLnBrk="0" hangingPunct="1">
+                  <a:defRPr sz="1800" kern="1200">
+                    <a:solidFill>
+                      <a:schemeClr val="tx1"/>
+                    </a:solidFill>
+                    <a:latin typeface="+mn-lt"/>
+                    <a:ea typeface="+mn-ea"/>
+                    <a:cs typeface="+mn-cs"/>
+                  </a:defRPr>
+                </a:lvl6pPr>
+                <a:lvl7pPr marL="2743200" algn="l" defTabSz="914400" rtl="0" eaLnBrk="1" latinLnBrk="0" hangingPunct="1">
+                  <a:defRPr sz="1800" kern="1200">
+                    <a:solidFill>
+                      <a:schemeClr val="tx1"/>
+                    </a:solidFill>
+                    <a:latin typeface="+mn-lt"/>
+                    <a:ea typeface="+mn-ea"/>
+                    <a:cs typeface="+mn-cs"/>
+                  </a:defRPr>
+                </a:lvl7pPr>
+                <a:lvl8pPr marL="3200400" algn="l" defTabSz="914400" rtl="0" eaLnBrk="1" latinLnBrk="0" hangingPunct="1">
+                  <a:defRPr sz="1800" kern="1200">
+                    <a:solidFill>
+                      <a:schemeClr val="tx1"/>
+                    </a:solidFill>
+                    <a:latin typeface="+mn-lt"/>
+                    <a:ea typeface="+mn-ea"/>
+                    <a:cs typeface="+mn-cs"/>
+                  </a:defRPr>
+                </a:lvl8pPr>
+                <a:lvl9pPr marL="3657600" algn="l" defTabSz="914400" rtl="0" eaLnBrk="1" latinLnBrk="0" hangingPunct="1">
+                  <a:defRPr sz="1800" kern="1200">
+                    <a:solidFill>
+                      <a:schemeClr val="tx1"/>
+                    </a:solidFill>
+                    <a:latin typeface="+mn-lt"/>
+                    <a:ea typeface="+mn-ea"/>
+                    <a:cs typeface="+mn-cs"/>
+                  </a:defRPr>
+                </a:lvl9pPr>
+              </a:lstStyle>
+              <a:p>
+                <a:r>
+                  <a:rPr lang="en-US" altLang="zh-CN" sz="2400" b="1" dirty="0" smtClean="0"/>
+                  <a:t>FORK</a:t>
+                </a:r>
+                <a:endParaRPr lang="zh-CN" altLang="en-US" sz="2400" b="1" dirty="0"/>
+              </a:p>
+            </p:txBody>
+          </p:sp>
+          <p:grpSp>
+            <p:nvGrpSpPr>
+              <p:cNvPr id="5" name="组合 4"/>
+              <p:cNvGrpSpPr/>
+              <p:nvPr/>
+            </p:nvGrpSpPr>
+            <p:grpSpPr>
+              <a:xfrm>
+                <a:off x="323528" y="4467022"/>
+                <a:ext cx="3050031" cy="2274346"/>
+                <a:chOff x="18120" y="4323006"/>
+                <a:chExt cx="3050031" cy="2274346"/>
+              </a:xfrm>
+            </p:grpSpPr>
+            <p:grpSp>
+              <p:nvGrpSpPr>
+                <p:cNvPr id="12" name="组合 11"/>
+                <p:cNvGrpSpPr/>
+                <p:nvPr/>
+              </p:nvGrpSpPr>
+              <p:grpSpPr>
+                <a:xfrm>
+                  <a:off x="18120" y="4323006"/>
+                  <a:ext cx="2744881" cy="2274346"/>
+                  <a:chOff x="836635" y="3861048"/>
+                  <a:chExt cx="2744881" cy="2274346"/>
+                </a:xfrm>
+              </p:grpSpPr>
+              <p:pic>
+                <p:nvPicPr>
+                  <p:cNvPr id="2" name="图片 1"/>
+                  <p:cNvPicPr>
+                    <a:picLocks noChangeAspect="1"/>
+                  </p:cNvPicPr>
+                  <p:nvPr/>
+                </p:nvPicPr>
+                <p:blipFill>
+                  <a:blip r:embed="rId6">
+                    <a:extLst>
+                      <a:ext uri="{28A0092B-C50C-407E-A947-70E740481C1C}">
+                        <a14:useLocalDpi xmlns:a14="http://schemas.microsoft.com/office/drawing/2010/main" val="0"/>
+                      </a:ext>
+                    </a:extLst>
+                  </a:blip>
+                  <a:stretch>
+                    <a:fillRect/>
+                  </a:stretch>
+                </p:blipFill>
+                <p:spPr>
+                  <a:xfrm>
+                    <a:off x="836635" y="4334918"/>
+                    <a:ext cx="1676634" cy="1800476"/>
+                  </a:xfrm>
+                  <a:prstGeom prst="rect">
+                    <a:avLst/>
+                  </a:prstGeom>
+                </p:spPr>
+              </p:pic>
+              <p:pic>
+                <p:nvPicPr>
+                  <p:cNvPr id="9" name="图片 8"/>
+                  <p:cNvPicPr>
+                    <a:picLocks noChangeAspect="1"/>
+                  </p:cNvPicPr>
+                  <p:nvPr/>
+                </p:nvPicPr>
+                <p:blipFill>
+                  <a:blip r:embed="rId7">
+                    <a:extLst>
+                      <a:ext uri="{28A0092B-C50C-407E-A947-70E740481C1C}">
+                        <a14:useLocalDpi xmlns:a14="http://schemas.microsoft.com/office/drawing/2010/main" val="0"/>
+                      </a:ext>
+                    </a:extLst>
+                  </a:blip>
+                  <a:stretch>
+                    <a:fillRect/>
+                  </a:stretch>
+                </p:blipFill>
+                <p:spPr>
+                  <a:xfrm>
+                    <a:off x="2362316" y="3861048"/>
+                    <a:ext cx="1219200" cy="1219200"/>
+                  </a:xfrm>
+                  <a:prstGeom prst="rect">
+                    <a:avLst/>
+                  </a:prstGeom>
+                </p:spPr>
+              </p:pic>
+            </p:grpSp>
+            <p:sp>
+              <p:nvSpPr>
+                <p:cNvPr id="31" name="TextBox 30"/>
+                <p:cNvSpPr txBox="1"/>
+                <p:nvPr/>
+              </p:nvSpPr>
+              <p:spPr>
+                <a:xfrm rot="-2700000">
+                  <a:off x="1627991" y="5612279"/>
+                  <a:ext cx="1440160" cy="369332"/>
+                </a:xfrm>
+                <a:prstGeom prst="rect">
+                  <a:avLst/>
+                </a:prstGeom>
+                <a:noFill/>
+              </p:spPr>
+              <p:txBody>
+                <a:bodyPr wrap="square" rtlCol="0">
+                  <a:spAutoFit/>
+                </a:bodyPr>
+                <a:lstStyle/>
+                <a:p>
+                  <a:r>
+                    <a:rPr lang="en-US" altLang="zh-CN" dirty="0" smtClean="0"/>
+                    <a:t>PUSH</a:t>
+                  </a:r>
+                  <a:endParaRPr lang="zh-CN" altLang="en-US" dirty="0"/>
+                </a:p>
+              </p:txBody>
+            </p:sp>
+            <p:sp>
+              <p:nvSpPr>
+                <p:cNvPr id="32" name="右箭头 31"/>
+                <p:cNvSpPr/>
+                <p:nvPr/>
+              </p:nvSpPr>
+              <p:spPr>
+                <a:xfrm rot="-2700000">
+                  <a:off x="1630908" y="5738220"/>
+                  <a:ext cx="650441" cy="230938"/>
+                </a:xfrm>
+                <a:prstGeom prst="rightArrow">
+                  <a:avLst/>
+                </a:prstGeom>
+              </p:spPr>
+              <p:style>
+                <a:lnRef idx="2">
+                  <a:schemeClr val="accent1">
+                    <a:shade val="50000"/>
+                  </a:schemeClr>
+                </a:lnRef>
+                <a:fillRef idx="1">
+                  <a:schemeClr val="accent1"/>
+                </a:fillRef>
+                <a:effectRef idx="0">
+                  <a:schemeClr val="accent1"/>
+                </a:effectRef>
+                <a:fontRef idx="minor">
+                  <a:schemeClr val="lt1"/>
+                </a:fontRef>
+              </p:style>
+              <p:txBody>
+                <a:bodyPr rtlCol="0" anchor="ctr"/>
+                <a:lstStyle/>
+                <a:p>
+                  <a:pPr algn="ctr"/>
+                  <a:endParaRPr lang="zh-CN" altLang="en-US"/>
+                </a:p>
+              </p:txBody>
+            </p:sp>
+          </p:grpSp>
+          <p:sp>
+            <p:nvSpPr>
+              <p:cNvPr id="42" name="上箭头 41"/>
+              <p:cNvSpPr/>
+              <p:nvPr/>
+            </p:nvSpPr>
+            <p:spPr>
+              <a:xfrm>
+                <a:off x="1191636" y="1563347"/>
+                <a:ext cx="788076" cy="2153685"/>
+              </a:xfrm>
+              <a:prstGeom prst="upArrow">
+                <a:avLst/>
+              </a:prstGeom>
+            </p:spPr>
+            <p:style>
+              <a:lnRef idx="2">
+                <a:schemeClr val="accent1">
+                  <a:shade val="50000"/>
+                </a:schemeClr>
+              </a:lnRef>
+              <a:fillRef idx="1">
+                <a:schemeClr val="accent1"/>
+              </a:fillRef>
+              <a:effectRef idx="0">
+                <a:schemeClr val="accent1"/>
+              </a:effectRef>
+              <a:fontRef idx="minor">
+                <a:schemeClr val="lt1"/>
+              </a:fontRef>
+            </p:style>
+            <p:txBody>
+              <a:bodyPr rtlCol="0" anchor="ctr"/>
+              <a:lstStyle/>
+              <a:p>
+                <a:pPr algn="ctr"/>
+                <a:endParaRPr lang="zh-CN" altLang="en-US"/>
+              </a:p>
+            </p:txBody>
+          </p:sp>
+          <p:sp>
+            <p:nvSpPr>
+              <p:cNvPr id="44" name="TextBox 43"/>
+              <p:cNvSpPr txBox="1"/>
+              <p:nvPr/>
+            </p:nvSpPr>
+            <p:spPr>
+              <a:xfrm>
+                <a:off x="408310" y="2204864"/>
+                <a:ext cx="923330" cy="1296144"/>
+              </a:xfrm>
+              <a:prstGeom prst="rect">
+                <a:avLst/>
+              </a:prstGeom>
+              <a:noFill/>
+            </p:spPr>
+            <p:txBody>
+              <a:bodyPr vert="eaVert" wrap="square" rtlCol="0">
+                <a:spAutoFit/>
+              </a:bodyPr>
+              <a:lstStyle/>
+              <a:p>
+                <a:r>
+                  <a:rPr lang="en-US" altLang="zh-CN" sz="2400" b="1" dirty="0" smtClean="0"/>
+                  <a:t>PULL REQUEST</a:t>
+                </a:r>
+                <a:endParaRPr lang="zh-CN" altLang="en-US" sz="2400" b="1" dirty="0"/>
+              </a:p>
+            </p:txBody>
+          </p:sp>
+          <p:grpSp>
+            <p:nvGrpSpPr>
+              <p:cNvPr id="3" name="组合 2"/>
+              <p:cNvGrpSpPr/>
+              <p:nvPr/>
+            </p:nvGrpSpPr>
+            <p:grpSpPr>
+              <a:xfrm>
+                <a:off x="6792739" y="624247"/>
+                <a:ext cx="1716775" cy="1444333"/>
+                <a:chOff x="6743657" y="550038"/>
+                <a:chExt cx="1716775" cy="1444333"/>
+              </a:xfrm>
+            </p:grpSpPr>
+            <p:pic>
+              <p:nvPicPr>
+                <p:cNvPr id="45" name="图片 44"/>
+                <p:cNvPicPr>
+                  <a:picLocks noChangeAspect="1"/>
+                </p:cNvPicPr>
+                <p:nvPr/>
+              </p:nvPicPr>
+              <p:blipFill>
+                <a:blip r:embed="rId8">
+                  <a:duotone>
+                    <a:schemeClr val="bg2">
+                      <a:shade val="45000"/>
+                      <a:satMod val="135000"/>
+                    </a:schemeClr>
+                    <a:prstClr val="white"/>
+                  </a:duotone>
+                  <a:extLst>
+                    <a:ext uri="{BEBA8EAE-BF5A-486C-A8C5-ECC9F3942E4B}">
+                      <a14:imgProps xmlns:a14="http://schemas.microsoft.com/office/drawing/2010/main">
+                        <a14:imgLayer r:embed="rId9">
+                          <a14:imgEffect>
+                            <a14:saturation sat="0"/>
+                          </a14:imgEffect>
+                        </a14:imgLayer>
+                      </a14:imgProps>
+                    </a:ext>
+                    <a:ext uri="{28A0092B-C50C-407E-A947-70E740481C1C}">
+                      <a14:useLocalDpi xmlns:a14="http://schemas.microsoft.com/office/drawing/2010/main" val="0"/>
+                    </a:ext>
+                  </a:extLst>
+                </a:blip>
+                <a:stretch>
+                  <a:fillRect/>
+                </a:stretch>
+              </p:blipFill>
+              <p:spPr>
+                <a:xfrm>
+                  <a:off x="6743657" y="550038"/>
+                  <a:ext cx="1444333" cy="1444333"/>
+                </a:xfrm>
+                <a:prstGeom prst="rect">
+                  <a:avLst/>
+                </a:prstGeom>
+              </p:spPr>
+            </p:pic>
+            <p:sp>
+              <p:nvSpPr>
+                <p:cNvPr id="46" name="TextBox 45"/>
+                <p:cNvSpPr txBox="1"/>
+                <p:nvPr/>
+              </p:nvSpPr>
+              <p:spPr>
+                <a:xfrm>
+                  <a:off x="7906434" y="757576"/>
+                  <a:ext cx="553998" cy="1029256"/>
+                </a:xfrm>
+                <a:prstGeom prst="rect">
+                  <a:avLst/>
+                </a:prstGeom>
+                <a:noFill/>
+              </p:spPr>
+              <p:txBody>
+                <a:bodyPr vert="eaVert" wrap="none" rtlCol="0">
+                  <a:spAutoFit/>
+                </a:bodyPr>
+                <a:lstStyle/>
+                <a:p>
+                  <a:r>
+                    <a:rPr lang="en-US" altLang="zh-CN" sz="2400" b="1" dirty="0" smtClean="0"/>
+                    <a:t>MERGE</a:t>
+                  </a:r>
+                  <a:endParaRPr lang="zh-CN" altLang="en-US" sz="2400" b="1" dirty="0"/>
+                </a:p>
+              </p:txBody>
+            </p:sp>
+          </p:grpSp>
+          <p:sp>
+            <p:nvSpPr>
+              <p:cNvPr id="47" name="左右箭头 46"/>
+              <p:cNvSpPr/>
+              <p:nvPr/>
+            </p:nvSpPr>
+            <p:spPr>
+              <a:xfrm>
+                <a:off x="5963606" y="4653136"/>
+                <a:ext cx="1600698" cy="215610"/>
+              </a:xfrm>
+              <a:prstGeom prst="leftRightArrow">
+                <a:avLst/>
+              </a:prstGeom>
+            </p:spPr>
+            <p:style>
+              <a:lnRef idx="2">
+                <a:schemeClr val="accent1">
+                  <a:shade val="50000"/>
+                </a:schemeClr>
+              </a:lnRef>
+              <a:fillRef idx="1">
+                <a:schemeClr val="accent1"/>
+              </a:fillRef>
+              <a:effectRef idx="0">
+                <a:schemeClr val="accent1"/>
+              </a:effectRef>
+              <a:fontRef idx="minor">
+                <a:schemeClr val="lt1"/>
+              </a:fontRef>
+            </p:style>
+            <p:txBody>
+              <a:bodyPr rtlCol="0" anchor="ctr"/>
+              <a:lstStyle/>
+              <a:p>
+                <a:pPr algn="ctr"/>
+                <a:endParaRPr lang="zh-CN" altLang="en-US"/>
+              </a:p>
+            </p:txBody>
+          </p:sp>
+          <p:sp>
+            <p:nvSpPr>
+              <p:cNvPr id="48" name="TextBox 47"/>
+              <p:cNvSpPr txBox="1"/>
+              <p:nvPr/>
+            </p:nvSpPr>
+            <p:spPr>
+              <a:xfrm>
+                <a:off x="5499527" y="4253026"/>
+                <a:ext cx="2528857" cy="400110"/>
+              </a:xfrm>
+              <a:prstGeom prst="rect">
+                <a:avLst/>
+              </a:prstGeom>
+              <a:noFill/>
+            </p:spPr>
+            <p:txBody>
+              <a:bodyPr wrap="square" rtlCol="0">
+                <a:spAutoFit/>
+              </a:bodyPr>
+              <a:lstStyle/>
+              <a:p>
+                <a:pPr algn="ctr"/>
+                <a:r>
+                  <a:rPr lang="en-US" altLang="zh-CN" sz="2000" b="1" dirty="0" smtClean="0"/>
+                  <a:t>FETCH or PULL</a:t>
+                </a:r>
+                <a:endParaRPr lang="zh-CN" altLang="en-US" sz="2000" b="1" dirty="0"/>
+              </a:p>
+            </p:txBody>
+          </p:sp>
+          <p:grpSp>
+            <p:nvGrpSpPr>
+              <p:cNvPr id="37" name="组合 36"/>
+              <p:cNvGrpSpPr/>
+              <p:nvPr/>
+            </p:nvGrpSpPr>
+            <p:grpSpPr>
+              <a:xfrm>
+                <a:off x="5986465" y="4467022"/>
+                <a:ext cx="3050031" cy="2274346"/>
+                <a:chOff x="18120" y="4323006"/>
+                <a:chExt cx="3050031" cy="2274346"/>
+              </a:xfrm>
+            </p:grpSpPr>
+            <p:grpSp>
+              <p:nvGrpSpPr>
+                <p:cNvPr id="38" name="组合 37"/>
+                <p:cNvGrpSpPr/>
+                <p:nvPr/>
+              </p:nvGrpSpPr>
+              <p:grpSpPr>
+                <a:xfrm>
+                  <a:off x="18120" y="4323006"/>
+                  <a:ext cx="2744881" cy="2274346"/>
+                  <a:chOff x="836635" y="3861048"/>
+                  <a:chExt cx="2744881" cy="2274346"/>
+                </a:xfrm>
+              </p:grpSpPr>
+              <p:pic>
+                <p:nvPicPr>
+                  <p:cNvPr id="43" name="图片 42"/>
+                  <p:cNvPicPr>
+                    <a:picLocks noChangeAspect="1"/>
+                  </p:cNvPicPr>
+                  <p:nvPr/>
+                </p:nvPicPr>
+                <p:blipFill>
+                  <a:blip r:embed="rId6">
+                    <a:extLst>
+                      <a:ext uri="{28A0092B-C50C-407E-A947-70E740481C1C}">
+                        <a14:useLocalDpi xmlns:a14="http://schemas.microsoft.com/office/drawing/2010/main" val="0"/>
+                      </a:ext>
+                    </a:extLst>
+                  </a:blip>
+                  <a:stretch>
+                    <a:fillRect/>
+                  </a:stretch>
+                </p:blipFill>
+                <p:spPr>
+                  <a:xfrm>
+                    <a:off x="836635" y="4334918"/>
+                    <a:ext cx="1676634" cy="1800476"/>
+                  </a:xfrm>
+                  <a:prstGeom prst="rect">
+                    <a:avLst/>
+                  </a:prstGeom>
+                </p:spPr>
+              </p:pic>
+              <p:pic>
+                <p:nvPicPr>
+                  <p:cNvPr id="49" name="图片 48"/>
+                  <p:cNvPicPr>
+                    <a:picLocks noChangeAspect="1"/>
+                  </p:cNvPicPr>
+                  <p:nvPr/>
+                </p:nvPicPr>
+                <p:blipFill>
+                  <a:blip r:embed="rId7">
+                    <a:extLst>
+                      <a:ext uri="{28A0092B-C50C-407E-A947-70E740481C1C}">
+                        <a14:useLocalDpi xmlns:a14="http://schemas.microsoft.com/office/drawing/2010/main" val="0"/>
+                      </a:ext>
+                    </a:extLst>
+                  </a:blip>
+                  <a:stretch>
+                    <a:fillRect/>
+                  </a:stretch>
+                </p:blipFill>
+                <p:spPr>
+                  <a:xfrm>
+                    <a:off x="2362316" y="3861048"/>
+                    <a:ext cx="1219200" cy="1219200"/>
+                  </a:xfrm>
+                  <a:prstGeom prst="rect">
+                    <a:avLst/>
+                  </a:prstGeom>
+                </p:spPr>
+              </p:pic>
+            </p:grpSp>
+            <p:sp>
+              <p:nvSpPr>
+                <p:cNvPr id="39" name="TextBox 38"/>
+                <p:cNvSpPr txBox="1"/>
+                <p:nvPr/>
+              </p:nvSpPr>
+              <p:spPr>
+                <a:xfrm rot="-2700000">
+                  <a:off x="1627991" y="5612279"/>
+                  <a:ext cx="1440160" cy="369332"/>
+                </a:xfrm>
+                <a:prstGeom prst="rect">
+                  <a:avLst/>
+                </a:prstGeom>
+                <a:noFill/>
+              </p:spPr>
+              <p:txBody>
+                <a:bodyPr wrap="square" rtlCol="0">
+                  <a:spAutoFit/>
+                </a:bodyPr>
+                <a:lstStyle/>
+                <a:p>
+                  <a:r>
+                    <a:rPr lang="en-US" altLang="zh-CN" dirty="0" smtClean="0"/>
+                    <a:t>PUSH</a:t>
+                  </a:r>
+                  <a:endParaRPr lang="zh-CN" altLang="en-US" dirty="0"/>
+                </a:p>
+              </p:txBody>
+            </p:sp>
+            <p:sp>
+              <p:nvSpPr>
+                <p:cNvPr id="41" name="右箭头 40"/>
+                <p:cNvSpPr/>
+                <p:nvPr/>
+              </p:nvSpPr>
+              <p:spPr>
+                <a:xfrm rot="-2700000">
+                  <a:off x="1630908" y="5738220"/>
+                  <a:ext cx="650441" cy="230938"/>
+                </a:xfrm>
+                <a:prstGeom prst="rightArrow">
+                  <a:avLst/>
+                </a:prstGeom>
+              </p:spPr>
+              <p:style>
+                <a:lnRef idx="2">
+                  <a:schemeClr val="accent1">
+                    <a:shade val="50000"/>
+                  </a:schemeClr>
+                </a:lnRef>
+                <a:fillRef idx="1">
+                  <a:schemeClr val="accent1"/>
+                </a:fillRef>
+                <a:effectRef idx="0">
+                  <a:schemeClr val="accent1"/>
+                </a:effectRef>
+                <a:fontRef idx="minor">
+                  <a:schemeClr val="lt1"/>
+                </a:fontRef>
+              </p:style>
+              <p:txBody>
+                <a:bodyPr rtlCol="0" anchor="ctr"/>
+                <a:lstStyle/>
+                <a:p>
+                  <a:pPr algn="ctr"/>
+                  <a:endParaRPr lang="zh-CN" altLang="en-US"/>
+                </a:p>
+              </p:txBody>
+            </p:sp>
+          </p:grpSp>
+          <p:grpSp>
+            <p:nvGrpSpPr>
+              <p:cNvPr id="50" name="组合 49"/>
+              <p:cNvGrpSpPr/>
+              <p:nvPr/>
+            </p:nvGrpSpPr>
+            <p:grpSpPr>
+              <a:xfrm>
+                <a:off x="3250161" y="4467022"/>
+                <a:ext cx="3050031" cy="2274346"/>
+                <a:chOff x="18120" y="4323006"/>
+                <a:chExt cx="3050031" cy="2274346"/>
+              </a:xfrm>
+            </p:grpSpPr>
+            <p:grpSp>
+              <p:nvGrpSpPr>
+                <p:cNvPr id="51" name="组合 50"/>
+                <p:cNvGrpSpPr/>
+                <p:nvPr/>
+              </p:nvGrpSpPr>
+              <p:grpSpPr>
+                <a:xfrm>
+                  <a:off x="18120" y="4323006"/>
+                  <a:ext cx="2744881" cy="2274346"/>
+                  <a:chOff x="836635" y="3861048"/>
+                  <a:chExt cx="2744881" cy="2274346"/>
+                </a:xfrm>
+              </p:grpSpPr>
+              <p:pic>
+                <p:nvPicPr>
+                  <p:cNvPr id="54" name="图片 53"/>
+                  <p:cNvPicPr>
+                    <a:picLocks noChangeAspect="1"/>
+                  </p:cNvPicPr>
+                  <p:nvPr/>
+                </p:nvPicPr>
+                <p:blipFill>
+                  <a:blip r:embed="rId6">
+                    <a:extLst>
+                      <a:ext uri="{28A0092B-C50C-407E-A947-70E740481C1C}">
+                        <a14:useLocalDpi xmlns:a14="http://schemas.microsoft.com/office/drawing/2010/main" val="0"/>
+                      </a:ext>
+                    </a:extLst>
+                  </a:blip>
+                  <a:stretch>
+                    <a:fillRect/>
+                  </a:stretch>
+                </p:blipFill>
+                <p:spPr>
+                  <a:xfrm>
+                    <a:off x="836635" y="4334918"/>
+                    <a:ext cx="1676634" cy="1800476"/>
+                  </a:xfrm>
+                  <a:prstGeom prst="rect">
+                    <a:avLst/>
+                  </a:prstGeom>
+                </p:spPr>
+              </p:pic>
+              <p:pic>
+                <p:nvPicPr>
+                  <p:cNvPr id="55" name="图片 54"/>
+                  <p:cNvPicPr>
+                    <a:picLocks noChangeAspect="1"/>
+                  </p:cNvPicPr>
+                  <p:nvPr/>
+                </p:nvPicPr>
+                <p:blipFill>
+                  <a:blip r:embed="rId7">
+                    <a:extLst>
+                      <a:ext uri="{28A0092B-C50C-407E-A947-70E740481C1C}">
+                        <a14:useLocalDpi xmlns:a14="http://schemas.microsoft.com/office/drawing/2010/main" val="0"/>
+                      </a:ext>
+                    </a:extLst>
+                  </a:blip>
+                  <a:stretch>
+                    <a:fillRect/>
+                  </a:stretch>
+                </p:blipFill>
+                <p:spPr>
+                  <a:xfrm>
+                    <a:off x="2362316" y="3861048"/>
+                    <a:ext cx="1219200" cy="1219200"/>
+                  </a:xfrm>
+                  <a:prstGeom prst="rect">
+                    <a:avLst/>
+                  </a:prstGeom>
+                </p:spPr>
+              </p:pic>
+            </p:grpSp>
+            <p:sp>
+              <p:nvSpPr>
+                <p:cNvPr id="52" name="TextBox 51"/>
+                <p:cNvSpPr txBox="1"/>
+                <p:nvPr/>
+              </p:nvSpPr>
+              <p:spPr>
+                <a:xfrm rot="-2700000">
+                  <a:off x="1627991" y="5612279"/>
+                  <a:ext cx="1440160" cy="369332"/>
+                </a:xfrm>
+                <a:prstGeom prst="rect">
+                  <a:avLst/>
+                </a:prstGeom>
+                <a:noFill/>
+              </p:spPr>
+              <p:txBody>
+                <a:bodyPr wrap="square" rtlCol="0">
+                  <a:spAutoFit/>
+                </a:bodyPr>
+                <a:lstStyle/>
+                <a:p>
+                  <a:r>
+                    <a:rPr lang="en-US" altLang="zh-CN" dirty="0" smtClean="0"/>
+                    <a:t>PUSH</a:t>
+                  </a:r>
+                  <a:endParaRPr lang="zh-CN" altLang="en-US" dirty="0"/>
+                </a:p>
+              </p:txBody>
+            </p:sp>
+            <p:sp>
+              <p:nvSpPr>
+                <p:cNvPr id="53" name="右箭头 52"/>
+                <p:cNvSpPr/>
+                <p:nvPr/>
+              </p:nvSpPr>
+              <p:spPr>
+                <a:xfrm rot="-2700000">
+                  <a:off x="1630908" y="5738220"/>
+                  <a:ext cx="650441" cy="230938"/>
+                </a:xfrm>
+                <a:prstGeom prst="rightArrow">
+                  <a:avLst/>
+                </a:prstGeom>
+              </p:spPr>
+              <p:style>
+                <a:lnRef idx="2">
+                  <a:schemeClr val="accent1">
+                    <a:shade val="50000"/>
+                  </a:schemeClr>
+                </a:lnRef>
+                <a:fillRef idx="1">
+                  <a:schemeClr val="accent1"/>
+                </a:fillRef>
+                <a:effectRef idx="0">
+                  <a:schemeClr val="accent1"/>
+                </a:effectRef>
+                <a:fontRef idx="minor">
+                  <a:schemeClr val="lt1"/>
+                </a:fontRef>
+              </p:style>
+              <p:txBody>
+                <a:bodyPr rtlCol="0" anchor="ctr"/>
+                <a:lstStyle/>
+                <a:p>
+                  <a:pPr algn="ctr"/>
+                  <a:endParaRPr lang="zh-CN" altLang="en-US"/>
+                </a:p>
+              </p:txBody>
+            </p:sp>
+          </p:grpSp>
+        </p:grpSp>
         <p:pic>
           <p:nvPicPr>
-            <p:cNvPr id="4" name="图片 3"/>
+            <p:cNvPr id="56" name="图片 55"/>
             <p:cNvPicPr>
               <a:picLocks noChangeAspect="1"/>
             </p:cNvPicPr>
             <p:nvPr/>
           </p:nvPicPr>
           <p:blipFill>
-            <a:blip r:embed="rId2">
+            <a:blip r:embed="rId10" cstate="print">
+              <a:duotone>
+                <a:schemeClr val="accent2">
+                  <a:shade val="45000"/>
+                  <a:satMod val="135000"/>
+                </a:schemeClr>
+                <a:prstClr val="white"/>
+              </a:duotone>
               <a:extLst>
-                <a:ext uri="{BEBA8EAE-BF5A-486C-A8C5-ECC9F3942E4B}">
-                  <a14:imgProps xmlns:a14="http://schemas.microsoft.com/office/drawing/2010/main">
-                    <a14:imgLayer r:embed="rId3">
-                      <a14:imgEffect>
-                        <a14:saturation sat="0"/>
-                      </a14:imgEffect>
-                    </a14:imgLayer>
-                  </a14:imgProps>
-                </a:ext>
                 <a:ext uri="{28A0092B-C50C-407E-A947-70E740481C1C}">
                   <a14:useLocalDpi xmlns:a14="http://schemas.microsoft.com/office/drawing/2010/main" val="0"/>
                 </a:ext>
@@ -5639,466 +6770,24 @@
           </p:blipFill>
           <p:spPr>
             <a:xfrm>
-              <a:off x="3034962" y="304033"/>
-              <a:ext cx="2401134" cy="2578490"/>
+              <a:off x="1820101" y="6419867"/>
+              <a:ext cx="418793" cy="418793"/>
             </a:xfrm>
             <a:prstGeom prst="rect">
               <a:avLst/>
             </a:prstGeom>
           </p:spPr>
         </p:pic>
-        <p:pic>
-          <p:nvPicPr>
-            <p:cNvPr id="8" name="图片 7"/>
-            <p:cNvPicPr>
-              <a:picLocks noChangeAspect="1"/>
-            </p:cNvPicPr>
-            <p:nvPr/>
-          </p:nvPicPr>
-          <p:blipFill>
-            <a:blip r:embed="rId4">
-              <a:extLst>
-                <a:ext uri="{BEBA8EAE-BF5A-486C-A8C5-ECC9F3942E4B}">
-                  <a14:imgProps xmlns:a14="http://schemas.microsoft.com/office/drawing/2010/main">
-                    <a14:imgLayer r:embed="rId5">
-                      <a14:imgEffect>
-                        <a14:saturation sat="0"/>
-                      </a14:imgEffect>
-                    </a14:imgLayer>
-                  </a14:imgProps>
-                </a:ext>
-                <a:ext uri="{28A0092B-C50C-407E-A947-70E740481C1C}">
-                  <a14:useLocalDpi xmlns:a14="http://schemas.microsoft.com/office/drawing/2010/main" val="0"/>
-                </a:ext>
-              </a:extLst>
-            </a:blip>
-            <a:stretch>
-              <a:fillRect/>
-            </a:stretch>
-          </p:blipFill>
-          <p:spPr>
-            <a:xfrm>
-              <a:off x="5436096" y="402873"/>
-              <a:ext cx="1948074" cy="1948074"/>
-            </a:xfrm>
-            <a:prstGeom prst="rect">
-              <a:avLst/>
-            </a:prstGeom>
-          </p:spPr>
-        </p:pic>
-      </p:grpSp>
-      <p:sp>
-        <p:nvSpPr>
-          <p:cNvPr id="25" name="下箭头 24"/>
-          <p:cNvSpPr/>
-          <p:nvPr/>
-        </p:nvSpPr>
-        <p:spPr>
-          <a:xfrm rot="2700000">
-            <a:off x="3731810" y="2011156"/>
-            <a:ext cx="458647" cy="2905294"/>
-          </a:xfrm>
-          <a:prstGeom prst="downArrow">
-            <a:avLst>
-              <a:gd name="adj1" fmla="val 50000"/>
-              <a:gd name="adj2" fmla="val 46677"/>
-            </a:avLst>
-          </a:prstGeom>
-        </p:spPr>
-        <p:style>
-          <a:lnRef idx="2">
-            <a:schemeClr val="accent1">
-              <a:shade val="50000"/>
-            </a:schemeClr>
-          </a:lnRef>
-          <a:fillRef idx="1">
-            <a:schemeClr val="accent1"/>
-          </a:fillRef>
-          <a:effectRef idx="0">
-            <a:schemeClr val="accent1"/>
-          </a:effectRef>
-          <a:fontRef idx="minor">
-            <a:schemeClr val="lt1"/>
-          </a:fontRef>
-        </p:style>
-        <p:txBody>
-          <a:bodyPr rtlCol="0" anchor="ctr"/>
-          <a:lstStyle/>
-          <a:p>
-            <a:pPr algn="ctr"/>
-            <a:endParaRPr lang="zh-CN" altLang="en-US"/>
-          </a:p>
-        </p:txBody>
-      </p:sp>
-      <p:sp>
-        <p:nvSpPr>
-          <p:cNvPr id="26" name="下箭头 25"/>
-          <p:cNvSpPr/>
-          <p:nvPr/>
-        </p:nvSpPr>
-        <p:spPr>
-          <a:xfrm rot="600000">
-            <a:off x="5329017" y="2613398"/>
-            <a:ext cx="458647" cy="1487450"/>
-          </a:xfrm>
-          <a:prstGeom prst="downArrow">
-            <a:avLst>
-              <a:gd name="adj1" fmla="val 50000"/>
-              <a:gd name="adj2" fmla="val 46677"/>
-            </a:avLst>
-          </a:prstGeom>
-        </p:spPr>
-        <p:style>
-          <a:lnRef idx="2">
-            <a:schemeClr val="accent1">
-              <a:shade val="50000"/>
-            </a:schemeClr>
-          </a:lnRef>
-          <a:fillRef idx="1">
-            <a:schemeClr val="accent1"/>
-          </a:fillRef>
-          <a:effectRef idx="0">
-            <a:schemeClr val="accent1"/>
-          </a:effectRef>
-          <a:fontRef idx="minor">
-            <a:schemeClr val="lt1"/>
-          </a:fontRef>
-        </p:style>
-        <p:txBody>
-          <a:bodyPr rtlCol="0" anchor="ctr"/>
-          <a:lstStyle/>
-          <a:p>
-            <a:pPr algn="ctr"/>
-            <a:endParaRPr lang="zh-CN" altLang="en-US"/>
-          </a:p>
-        </p:txBody>
-      </p:sp>
-      <p:sp>
-        <p:nvSpPr>
-          <p:cNvPr id="27" name="下箭头 26"/>
-          <p:cNvSpPr/>
-          <p:nvPr/>
-        </p:nvSpPr>
-        <p:spPr>
-          <a:xfrm rot="-2700000">
-            <a:off x="6980227" y="2045706"/>
-            <a:ext cx="433158" cy="2446520"/>
-          </a:xfrm>
-          <a:prstGeom prst="downArrow">
-            <a:avLst>
-              <a:gd name="adj1" fmla="val 50000"/>
-              <a:gd name="adj2" fmla="val 46677"/>
-            </a:avLst>
-          </a:prstGeom>
-        </p:spPr>
-        <p:style>
-          <a:lnRef idx="2">
-            <a:schemeClr val="accent1">
-              <a:shade val="50000"/>
-            </a:schemeClr>
-          </a:lnRef>
-          <a:fillRef idx="1">
-            <a:schemeClr val="accent1"/>
-          </a:fillRef>
-          <a:effectRef idx="0">
-            <a:schemeClr val="accent1"/>
-          </a:effectRef>
-          <a:fontRef idx="minor">
-            <a:schemeClr val="lt1"/>
-          </a:fontRef>
-        </p:style>
-        <p:txBody>
-          <a:bodyPr rtlCol="0" anchor="ctr"/>
-          <a:lstStyle/>
-          <a:p>
-            <a:pPr algn="ctr"/>
-            <a:endParaRPr lang="zh-CN" altLang="en-US"/>
-          </a:p>
-        </p:txBody>
-      </p:sp>
-      <p:sp>
-        <p:nvSpPr>
-          <p:cNvPr id="28" name="TextBox 27"/>
-          <p:cNvSpPr txBox="1"/>
-          <p:nvPr/>
-        </p:nvSpPr>
-        <p:spPr>
-          <a:xfrm rot="-2700000">
-            <a:off x="2633122" y="3272019"/>
-            <a:ext cx="1569812" cy="461665"/>
-          </a:xfrm>
-          <a:prstGeom prst="rect">
-            <a:avLst/>
-          </a:prstGeom>
-          <a:noFill/>
-        </p:spPr>
-        <p:txBody>
-          <a:bodyPr wrap="square" rtlCol="0">
-            <a:spAutoFit/>
-          </a:bodyPr>
-          <a:lstStyle/>
-          <a:p>
-            <a:r>
-              <a:rPr lang="en-US" altLang="zh-CN" sz="2400" b="1" dirty="0" smtClean="0"/>
-              <a:t>FORK</a:t>
-            </a:r>
-            <a:endParaRPr lang="zh-CN" altLang="en-US" sz="2400" b="1" dirty="0"/>
-          </a:p>
-        </p:txBody>
-      </p:sp>
-      <p:sp>
-        <p:nvSpPr>
-          <p:cNvPr id="29" name="TextBox 28"/>
-          <p:cNvSpPr txBox="1"/>
-          <p:nvPr/>
-        </p:nvSpPr>
-        <p:spPr>
-          <a:xfrm rot="6000000">
-            <a:off x="4359574" y="3507177"/>
-            <a:ext cx="1569812" cy="461665"/>
-          </a:xfrm>
-          <a:prstGeom prst="rect">
-            <a:avLst/>
-          </a:prstGeom>
-          <a:noFill/>
-        </p:spPr>
-        <p:txBody>
-          <a:bodyPr wrap="square" rtlCol="0">
-            <a:spAutoFit/>
-          </a:bodyPr>
-          <a:lstStyle/>
-          <a:p>
-            <a:r>
-              <a:rPr lang="en-US" altLang="zh-CN" sz="2400" b="1" dirty="0" smtClean="0"/>
-              <a:t>FORK</a:t>
-            </a:r>
-            <a:endParaRPr lang="zh-CN" altLang="en-US" sz="2400" b="1" dirty="0"/>
-          </a:p>
-        </p:txBody>
-      </p:sp>
-      <p:sp>
-        <p:nvSpPr>
-          <p:cNvPr id="30" name="TextBox 27"/>
-          <p:cNvSpPr txBox="1"/>
-          <p:nvPr/>
-        </p:nvSpPr>
-        <p:spPr>
-          <a:xfrm rot="2700000">
-            <a:off x="7383313" y="3406148"/>
-            <a:ext cx="1569812" cy="461665"/>
-          </a:xfrm>
-          <a:prstGeom prst="rect">
-            <a:avLst/>
-          </a:prstGeom>
-          <a:noFill/>
-        </p:spPr>
-        <p:txBody>
-          <a:bodyPr wrap="square" rtlCol="0">
-            <a:spAutoFit/>
-          </a:bodyPr>
-          <a:lstStyle>
-            <a:defPPr>
-              <a:defRPr lang="zh-CN"/>
-            </a:defPPr>
-            <a:lvl1pPr marL="0" algn="l" defTabSz="914400" rtl="0" eaLnBrk="1" latinLnBrk="0" hangingPunct="1">
-              <a:defRPr sz="1800" kern="1200">
-                <a:solidFill>
-                  <a:schemeClr val="tx1"/>
-                </a:solidFill>
-                <a:latin typeface="+mn-lt"/>
-                <a:ea typeface="+mn-ea"/>
-                <a:cs typeface="+mn-cs"/>
-              </a:defRPr>
-            </a:lvl1pPr>
-            <a:lvl2pPr marL="457200" algn="l" defTabSz="914400" rtl="0" eaLnBrk="1" latinLnBrk="0" hangingPunct="1">
-              <a:defRPr sz="1800" kern="1200">
-                <a:solidFill>
-                  <a:schemeClr val="tx1"/>
-                </a:solidFill>
-                <a:latin typeface="+mn-lt"/>
-                <a:ea typeface="+mn-ea"/>
-                <a:cs typeface="+mn-cs"/>
-              </a:defRPr>
-            </a:lvl2pPr>
-            <a:lvl3pPr marL="914400" algn="l" defTabSz="914400" rtl="0" eaLnBrk="1" latinLnBrk="0" hangingPunct="1">
-              <a:defRPr sz="1800" kern="1200">
-                <a:solidFill>
-                  <a:schemeClr val="tx1"/>
-                </a:solidFill>
-                <a:latin typeface="+mn-lt"/>
-                <a:ea typeface="+mn-ea"/>
-                <a:cs typeface="+mn-cs"/>
-              </a:defRPr>
-            </a:lvl3pPr>
-            <a:lvl4pPr marL="1371600" algn="l" defTabSz="914400" rtl="0" eaLnBrk="1" latinLnBrk="0" hangingPunct="1">
-              <a:defRPr sz="1800" kern="1200">
-                <a:solidFill>
-                  <a:schemeClr val="tx1"/>
-                </a:solidFill>
-                <a:latin typeface="+mn-lt"/>
-                <a:ea typeface="+mn-ea"/>
-                <a:cs typeface="+mn-cs"/>
-              </a:defRPr>
-            </a:lvl4pPr>
-            <a:lvl5pPr marL="1828800" algn="l" defTabSz="914400" rtl="0" eaLnBrk="1" latinLnBrk="0" hangingPunct="1">
-              <a:defRPr sz="1800" kern="1200">
-                <a:solidFill>
-                  <a:schemeClr val="tx1"/>
-                </a:solidFill>
-                <a:latin typeface="+mn-lt"/>
-                <a:ea typeface="+mn-ea"/>
-                <a:cs typeface="+mn-cs"/>
-              </a:defRPr>
-            </a:lvl5pPr>
-            <a:lvl6pPr marL="2286000" algn="l" defTabSz="914400" rtl="0" eaLnBrk="1" latinLnBrk="0" hangingPunct="1">
-              <a:defRPr sz="1800" kern="1200">
-                <a:solidFill>
-                  <a:schemeClr val="tx1"/>
-                </a:solidFill>
-                <a:latin typeface="+mn-lt"/>
-                <a:ea typeface="+mn-ea"/>
-                <a:cs typeface="+mn-cs"/>
-              </a:defRPr>
-            </a:lvl6pPr>
-            <a:lvl7pPr marL="2743200" algn="l" defTabSz="914400" rtl="0" eaLnBrk="1" latinLnBrk="0" hangingPunct="1">
-              <a:defRPr sz="1800" kern="1200">
-                <a:solidFill>
-                  <a:schemeClr val="tx1"/>
-                </a:solidFill>
-                <a:latin typeface="+mn-lt"/>
-                <a:ea typeface="+mn-ea"/>
-                <a:cs typeface="+mn-cs"/>
-              </a:defRPr>
-            </a:lvl7pPr>
-            <a:lvl8pPr marL="3200400" algn="l" defTabSz="914400" rtl="0" eaLnBrk="1" latinLnBrk="0" hangingPunct="1">
-              <a:defRPr sz="1800" kern="1200">
-                <a:solidFill>
-                  <a:schemeClr val="tx1"/>
-                </a:solidFill>
-                <a:latin typeface="+mn-lt"/>
-                <a:ea typeface="+mn-ea"/>
-                <a:cs typeface="+mn-cs"/>
-              </a:defRPr>
-            </a:lvl8pPr>
-            <a:lvl9pPr marL="3657600" algn="l" defTabSz="914400" rtl="0" eaLnBrk="1" latinLnBrk="0" hangingPunct="1">
-              <a:defRPr sz="1800" kern="1200">
-                <a:solidFill>
-                  <a:schemeClr val="tx1"/>
-                </a:solidFill>
-                <a:latin typeface="+mn-lt"/>
-                <a:ea typeface="+mn-ea"/>
-                <a:cs typeface="+mn-cs"/>
-              </a:defRPr>
-            </a:lvl9pPr>
-          </a:lstStyle>
-          <a:p>
-            <a:r>
-              <a:rPr lang="en-US" altLang="zh-CN" sz="2400" b="1" dirty="0" smtClean="0"/>
-              <a:t>FORK</a:t>
-            </a:r>
-            <a:endParaRPr lang="zh-CN" altLang="en-US" sz="2400" b="1" dirty="0"/>
-          </a:p>
-        </p:txBody>
-      </p:sp>
-      <p:grpSp>
-        <p:nvGrpSpPr>
-          <p:cNvPr id="5" name="组合 4"/>
-          <p:cNvGrpSpPr/>
-          <p:nvPr/>
-        </p:nvGrpSpPr>
-        <p:grpSpPr>
-          <a:xfrm>
-            <a:off x="323528" y="4467022"/>
-            <a:ext cx="3050031" cy="2274346"/>
-            <a:chOff x="18120" y="4323006"/>
-            <a:chExt cx="3050031" cy="2274346"/>
-          </a:xfrm>
-        </p:grpSpPr>
-        <p:grpSp>
-          <p:nvGrpSpPr>
-            <p:cNvPr id="12" name="组合 11"/>
-            <p:cNvGrpSpPr/>
-            <p:nvPr/>
-          </p:nvGrpSpPr>
-          <p:grpSpPr>
-            <a:xfrm>
-              <a:off x="18120" y="4323006"/>
-              <a:ext cx="2744881" cy="2274346"/>
-              <a:chOff x="836635" y="3861048"/>
-              <a:chExt cx="2744881" cy="2274346"/>
-            </a:xfrm>
-          </p:grpSpPr>
-          <p:pic>
-            <p:nvPicPr>
-              <p:cNvPr id="2" name="图片 1"/>
-              <p:cNvPicPr>
-                <a:picLocks noChangeAspect="1"/>
-              </p:cNvPicPr>
-              <p:nvPr/>
-            </p:nvPicPr>
-            <p:blipFill>
-              <a:blip r:embed="rId6">
-                <a:extLst>
-                  <a:ext uri="{28A0092B-C50C-407E-A947-70E740481C1C}">
-                    <a14:useLocalDpi xmlns:a14="http://schemas.microsoft.com/office/drawing/2010/main" val="0"/>
-                  </a:ext>
-                </a:extLst>
-              </a:blip>
-              <a:stretch>
-                <a:fillRect/>
-              </a:stretch>
-            </p:blipFill>
-            <p:spPr>
-              <a:xfrm>
-                <a:off x="836635" y="4334918"/>
-                <a:ext cx="1676634" cy="1800476"/>
-              </a:xfrm>
-              <a:prstGeom prst="rect">
-                <a:avLst/>
-              </a:prstGeom>
-            </p:spPr>
-          </p:pic>
-          <p:pic>
-            <p:nvPicPr>
-              <p:cNvPr id="9" name="图片 8"/>
-              <p:cNvPicPr>
-                <a:picLocks noChangeAspect="1"/>
-              </p:cNvPicPr>
-              <p:nvPr/>
-            </p:nvPicPr>
-            <p:blipFill>
-              <a:blip r:embed="rId7">
-                <a:extLst>
-                  <a:ext uri="{28A0092B-C50C-407E-A947-70E740481C1C}">
-                    <a14:useLocalDpi xmlns:a14="http://schemas.microsoft.com/office/drawing/2010/main" val="0"/>
-                  </a:ext>
-                </a:extLst>
-              </a:blip>
-              <a:stretch>
-                <a:fillRect/>
-              </a:stretch>
-            </p:blipFill>
-            <p:spPr>
-              <a:xfrm>
-                <a:off x="2362316" y="3861048"/>
-                <a:ext cx="1219200" cy="1219200"/>
-              </a:xfrm>
-              <a:prstGeom prst="rect">
-                <a:avLst/>
-              </a:prstGeom>
-            </p:spPr>
-          </p:pic>
-        </p:grpSp>
         <p:sp>
           <p:nvSpPr>
-            <p:cNvPr id="31" name="TextBox 30"/>
+            <p:cNvPr id="10" name="TextBox 9"/>
             <p:cNvSpPr txBox="1"/>
             <p:nvPr/>
           </p:nvSpPr>
           <p:spPr>
-            <a:xfrm rot="-2700000">
-              <a:off x="1627991" y="5612279"/>
-              <a:ext cx="1440160" cy="369332"/>
+            <a:xfrm>
+              <a:off x="2247300" y="6560832"/>
+              <a:ext cx="1047714" cy="230832"/>
             </a:xfrm>
             <a:prstGeom prst="rect">
               <a:avLst/>
@@ -6112,602 +6801,10 @@
             <a:lstStyle/>
             <a:p>
               <a:r>
-                <a:rPr lang="en-US" altLang="zh-CN" dirty="0" smtClean="0"/>
-                <a:t>COMMIT</a:t>
+                <a:rPr lang="en-US" altLang="zh-CN" sz="900" b="1" dirty="0" smtClean="0"/>
+                <a:t>LOCAL COMMIT</a:t>
               </a:r>
-              <a:endParaRPr lang="zh-CN" altLang="en-US" dirty="0"/>
-            </a:p>
-          </p:txBody>
-        </p:sp>
-        <p:sp>
-          <p:nvSpPr>
-            <p:cNvPr id="32" name="右箭头 31"/>
-            <p:cNvSpPr/>
-            <p:nvPr/>
-          </p:nvSpPr>
-          <p:spPr>
-            <a:xfrm rot="-2700000">
-              <a:off x="1630908" y="5738220"/>
-              <a:ext cx="650441" cy="230938"/>
-            </a:xfrm>
-            <a:prstGeom prst="rightArrow">
-              <a:avLst/>
-            </a:prstGeom>
-          </p:spPr>
-          <p:style>
-            <a:lnRef idx="2">
-              <a:schemeClr val="accent1">
-                <a:shade val="50000"/>
-              </a:schemeClr>
-            </a:lnRef>
-            <a:fillRef idx="1">
-              <a:schemeClr val="accent1"/>
-            </a:fillRef>
-            <a:effectRef idx="0">
-              <a:schemeClr val="accent1"/>
-            </a:effectRef>
-            <a:fontRef idx="minor">
-              <a:schemeClr val="lt1"/>
-            </a:fontRef>
-          </p:style>
-          <p:txBody>
-            <a:bodyPr rtlCol="0" anchor="ctr"/>
-            <a:lstStyle/>
-            <a:p>
-              <a:pPr algn="ctr"/>
-              <a:endParaRPr lang="zh-CN" altLang="en-US"/>
-            </a:p>
-          </p:txBody>
-        </p:sp>
-      </p:grpSp>
-      <p:sp>
-        <p:nvSpPr>
-          <p:cNvPr id="42" name="上箭头 41"/>
-          <p:cNvSpPr/>
-          <p:nvPr/>
-        </p:nvSpPr>
-        <p:spPr>
-          <a:xfrm>
-            <a:off x="1191636" y="1563347"/>
-            <a:ext cx="788076" cy="2153685"/>
-          </a:xfrm>
-          <a:prstGeom prst="upArrow">
-            <a:avLst/>
-          </a:prstGeom>
-        </p:spPr>
-        <p:style>
-          <a:lnRef idx="2">
-            <a:schemeClr val="accent1">
-              <a:shade val="50000"/>
-            </a:schemeClr>
-          </a:lnRef>
-          <a:fillRef idx="1">
-            <a:schemeClr val="accent1"/>
-          </a:fillRef>
-          <a:effectRef idx="0">
-            <a:schemeClr val="accent1"/>
-          </a:effectRef>
-          <a:fontRef idx="minor">
-            <a:schemeClr val="lt1"/>
-          </a:fontRef>
-        </p:style>
-        <p:txBody>
-          <a:bodyPr rtlCol="0" anchor="ctr"/>
-          <a:lstStyle/>
-          <a:p>
-            <a:pPr algn="ctr"/>
-            <a:endParaRPr lang="zh-CN" altLang="en-US"/>
-          </a:p>
-        </p:txBody>
-      </p:sp>
-      <p:sp>
-        <p:nvSpPr>
-          <p:cNvPr id="44" name="TextBox 43"/>
-          <p:cNvSpPr txBox="1"/>
-          <p:nvPr/>
-        </p:nvSpPr>
-        <p:spPr>
-          <a:xfrm>
-            <a:off x="408310" y="2204864"/>
-            <a:ext cx="923330" cy="1296144"/>
-          </a:xfrm>
-          <a:prstGeom prst="rect">
-            <a:avLst/>
-          </a:prstGeom>
-          <a:noFill/>
-        </p:spPr>
-        <p:txBody>
-          <a:bodyPr vert="eaVert" wrap="square" rtlCol="0">
-            <a:spAutoFit/>
-          </a:bodyPr>
-          <a:lstStyle/>
-          <a:p>
-            <a:r>
-              <a:rPr lang="en-US" altLang="zh-CN" sz="2400" b="1" dirty="0" smtClean="0"/>
-              <a:t>PULL REQUEST</a:t>
-            </a:r>
-            <a:endParaRPr lang="zh-CN" altLang="en-US" sz="2400" b="1" dirty="0"/>
-          </a:p>
-        </p:txBody>
-      </p:sp>
-      <p:grpSp>
-        <p:nvGrpSpPr>
-          <p:cNvPr id="3" name="组合 2"/>
-          <p:cNvGrpSpPr/>
-          <p:nvPr/>
-        </p:nvGrpSpPr>
-        <p:grpSpPr>
-          <a:xfrm>
-            <a:off x="6792739" y="624247"/>
-            <a:ext cx="1716775" cy="1444333"/>
-            <a:chOff x="6743657" y="550038"/>
-            <a:chExt cx="1716775" cy="1444333"/>
-          </a:xfrm>
-        </p:grpSpPr>
-        <p:pic>
-          <p:nvPicPr>
-            <p:cNvPr id="45" name="图片 44"/>
-            <p:cNvPicPr>
-              <a:picLocks noChangeAspect="1"/>
-            </p:cNvPicPr>
-            <p:nvPr/>
-          </p:nvPicPr>
-          <p:blipFill>
-            <a:blip r:embed="rId8">
-              <a:duotone>
-                <a:schemeClr val="bg2">
-                  <a:shade val="45000"/>
-                  <a:satMod val="135000"/>
-                </a:schemeClr>
-                <a:prstClr val="white"/>
-              </a:duotone>
-              <a:extLst>
-                <a:ext uri="{BEBA8EAE-BF5A-486C-A8C5-ECC9F3942E4B}">
-                  <a14:imgProps xmlns:a14="http://schemas.microsoft.com/office/drawing/2010/main">
-                    <a14:imgLayer r:embed="rId9">
-                      <a14:imgEffect>
-                        <a14:saturation sat="0"/>
-                      </a14:imgEffect>
-                    </a14:imgLayer>
-                  </a14:imgProps>
-                </a:ext>
-                <a:ext uri="{28A0092B-C50C-407E-A947-70E740481C1C}">
-                  <a14:useLocalDpi xmlns:a14="http://schemas.microsoft.com/office/drawing/2010/main" val="0"/>
-                </a:ext>
-              </a:extLst>
-            </a:blip>
-            <a:stretch>
-              <a:fillRect/>
-            </a:stretch>
-          </p:blipFill>
-          <p:spPr>
-            <a:xfrm>
-              <a:off x="6743657" y="550038"/>
-              <a:ext cx="1444333" cy="1444333"/>
-            </a:xfrm>
-            <a:prstGeom prst="rect">
-              <a:avLst/>
-            </a:prstGeom>
-          </p:spPr>
-        </p:pic>
-        <p:sp>
-          <p:nvSpPr>
-            <p:cNvPr id="46" name="TextBox 45"/>
-            <p:cNvSpPr txBox="1"/>
-            <p:nvPr/>
-          </p:nvSpPr>
-          <p:spPr>
-            <a:xfrm>
-              <a:off x="7906434" y="757576"/>
-              <a:ext cx="553998" cy="1029256"/>
-            </a:xfrm>
-            <a:prstGeom prst="rect">
-              <a:avLst/>
-            </a:prstGeom>
-            <a:noFill/>
-          </p:spPr>
-          <p:txBody>
-            <a:bodyPr vert="eaVert" wrap="none" rtlCol="0">
-              <a:spAutoFit/>
-            </a:bodyPr>
-            <a:lstStyle/>
-            <a:p>
-              <a:r>
-                <a:rPr lang="en-US" altLang="zh-CN" sz="2400" b="1" dirty="0" smtClean="0"/>
-                <a:t>MERGE</a:t>
-              </a:r>
-              <a:endParaRPr lang="zh-CN" altLang="en-US" sz="2400" b="1" dirty="0"/>
-            </a:p>
-          </p:txBody>
-        </p:sp>
-      </p:grpSp>
-      <p:sp>
-        <p:nvSpPr>
-          <p:cNvPr id="47" name="左右箭头 46"/>
-          <p:cNvSpPr/>
-          <p:nvPr/>
-        </p:nvSpPr>
-        <p:spPr>
-          <a:xfrm>
-            <a:off x="5963606" y="4653136"/>
-            <a:ext cx="1600698" cy="215610"/>
-          </a:xfrm>
-          <a:prstGeom prst="leftRightArrow">
-            <a:avLst/>
-          </a:prstGeom>
-        </p:spPr>
-        <p:style>
-          <a:lnRef idx="2">
-            <a:schemeClr val="accent1">
-              <a:shade val="50000"/>
-            </a:schemeClr>
-          </a:lnRef>
-          <a:fillRef idx="1">
-            <a:schemeClr val="accent1"/>
-          </a:fillRef>
-          <a:effectRef idx="0">
-            <a:schemeClr val="accent1"/>
-          </a:effectRef>
-          <a:fontRef idx="minor">
-            <a:schemeClr val="lt1"/>
-          </a:fontRef>
-        </p:style>
-        <p:txBody>
-          <a:bodyPr rtlCol="0" anchor="ctr"/>
-          <a:lstStyle/>
-          <a:p>
-            <a:pPr algn="ctr"/>
-            <a:endParaRPr lang="zh-CN" altLang="en-US"/>
-          </a:p>
-        </p:txBody>
-      </p:sp>
-      <p:sp>
-        <p:nvSpPr>
-          <p:cNvPr id="48" name="TextBox 47"/>
-          <p:cNvSpPr txBox="1"/>
-          <p:nvPr/>
-        </p:nvSpPr>
-        <p:spPr>
-          <a:xfrm>
-            <a:off x="5499527" y="4253026"/>
-            <a:ext cx="2528857" cy="400110"/>
-          </a:xfrm>
-          <a:prstGeom prst="rect">
-            <a:avLst/>
-          </a:prstGeom>
-          <a:noFill/>
-        </p:spPr>
-        <p:txBody>
-          <a:bodyPr wrap="square" rtlCol="0">
-            <a:spAutoFit/>
-          </a:bodyPr>
-          <a:lstStyle/>
-          <a:p>
-            <a:pPr algn="ctr"/>
-            <a:r>
-              <a:rPr lang="en-US" altLang="zh-CN" sz="2000" b="1" dirty="0" smtClean="0"/>
-              <a:t>FETCH or PULL</a:t>
-            </a:r>
-            <a:endParaRPr lang="zh-CN" altLang="en-US" sz="2000" b="1" dirty="0"/>
-          </a:p>
-        </p:txBody>
-      </p:sp>
-      <p:grpSp>
-        <p:nvGrpSpPr>
-          <p:cNvPr id="37" name="组合 36"/>
-          <p:cNvGrpSpPr/>
-          <p:nvPr/>
-        </p:nvGrpSpPr>
-        <p:grpSpPr>
-          <a:xfrm>
-            <a:off x="5986465" y="4467022"/>
-            <a:ext cx="3050031" cy="2274346"/>
-            <a:chOff x="18120" y="4323006"/>
-            <a:chExt cx="3050031" cy="2274346"/>
-          </a:xfrm>
-        </p:grpSpPr>
-        <p:grpSp>
-          <p:nvGrpSpPr>
-            <p:cNvPr id="38" name="组合 37"/>
-            <p:cNvGrpSpPr/>
-            <p:nvPr/>
-          </p:nvGrpSpPr>
-          <p:grpSpPr>
-            <a:xfrm>
-              <a:off x="18120" y="4323006"/>
-              <a:ext cx="2744881" cy="2274346"/>
-              <a:chOff x="836635" y="3861048"/>
-              <a:chExt cx="2744881" cy="2274346"/>
-            </a:xfrm>
-          </p:grpSpPr>
-          <p:pic>
-            <p:nvPicPr>
-              <p:cNvPr id="43" name="图片 42"/>
-              <p:cNvPicPr>
-                <a:picLocks noChangeAspect="1"/>
-              </p:cNvPicPr>
-              <p:nvPr/>
-            </p:nvPicPr>
-            <p:blipFill>
-              <a:blip r:embed="rId6">
-                <a:extLst>
-                  <a:ext uri="{28A0092B-C50C-407E-A947-70E740481C1C}">
-                    <a14:useLocalDpi xmlns:a14="http://schemas.microsoft.com/office/drawing/2010/main" val="0"/>
-                  </a:ext>
-                </a:extLst>
-              </a:blip>
-              <a:stretch>
-                <a:fillRect/>
-              </a:stretch>
-            </p:blipFill>
-            <p:spPr>
-              <a:xfrm>
-                <a:off x="836635" y="4334918"/>
-                <a:ext cx="1676634" cy="1800476"/>
-              </a:xfrm>
-              <a:prstGeom prst="rect">
-                <a:avLst/>
-              </a:prstGeom>
-            </p:spPr>
-          </p:pic>
-          <p:pic>
-            <p:nvPicPr>
-              <p:cNvPr id="49" name="图片 48"/>
-              <p:cNvPicPr>
-                <a:picLocks noChangeAspect="1"/>
-              </p:cNvPicPr>
-              <p:nvPr/>
-            </p:nvPicPr>
-            <p:blipFill>
-              <a:blip r:embed="rId7">
-                <a:extLst>
-                  <a:ext uri="{28A0092B-C50C-407E-A947-70E740481C1C}">
-                    <a14:useLocalDpi xmlns:a14="http://schemas.microsoft.com/office/drawing/2010/main" val="0"/>
-                  </a:ext>
-                </a:extLst>
-              </a:blip>
-              <a:stretch>
-                <a:fillRect/>
-              </a:stretch>
-            </p:blipFill>
-            <p:spPr>
-              <a:xfrm>
-                <a:off x="2362316" y="3861048"/>
-                <a:ext cx="1219200" cy="1219200"/>
-              </a:xfrm>
-              <a:prstGeom prst="rect">
-                <a:avLst/>
-              </a:prstGeom>
-            </p:spPr>
-          </p:pic>
-        </p:grpSp>
-        <p:sp>
-          <p:nvSpPr>
-            <p:cNvPr id="39" name="TextBox 38"/>
-            <p:cNvSpPr txBox="1"/>
-            <p:nvPr/>
-          </p:nvSpPr>
-          <p:spPr>
-            <a:xfrm rot="-2700000">
-              <a:off x="1627991" y="5612279"/>
-              <a:ext cx="1440160" cy="369332"/>
-            </a:xfrm>
-            <a:prstGeom prst="rect">
-              <a:avLst/>
-            </a:prstGeom>
-            <a:noFill/>
-          </p:spPr>
-          <p:txBody>
-            <a:bodyPr wrap="square" rtlCol="0">
-              <a:spAutoFit/>
-            </a:bodyPr>
-            <a:lstStyle/>
-            <a:p>
-              <a:r>
-                <a:rPr lang="en-US" altLang="zh-CN" dirty="0" smtClean="0"/>
-                <a:t>COMMIT</a:t>
-              </a:r>
-              <a:endParaRPr lang="zh-CN" altLang="en-US" dirty="0"/>
-            </a:p>
-          </p:txBody>
-        </p:sp>
-        <p:sp>
-          <p:nvSpPr>
-            <p:cNvPr id="41" name="右箭头 40"/>
-            <p:cNvSpPr/>
-            <p:nvPr/>
-          </p:nvSpPr>
-          <p:spPr>
-            <a:xfrm rot="-2700000">
-              <a:off x="1630908" y="5738220"/>
-              <a:ext cx="650441" cy="230938"/>
-            </a:xfrm>
-            <a:prstGeom prst="rightArrow">
-              <a:avLst/>
-            </a:prstGeom>
-          </p:spPr>
-          <p:style>
-            <a:lnRef idx="2">
-              <a:schemeClr val="accent1">
-                <a:shade val="50000"/>
-              </a:schemeClr>
-            </a:lnRef>
-            <a:fillRef idx="1">
-              <a:schemeClr val="accent1"/>
-            </a:fillRef>
-            <a:effectRef idx="0">
-              <a:schemeClr val="accent1"/>
-            </a:effectRef>
-            <a:fontRef idx="minor">
-              <a:schemeClr val="lt1"/>
-            </a:fontRef>
-          </p:style>
-          <p:txBody>
-            <a:bodyPr rtlCol="0" anchor="ctr"/>
-            <a:lstStyle/>
-            <a:p>
-              <a:pPr algn="ctr"/>
-              <a:endParaRPr lang="zh-CN" altLang="en-US"/>
-            </a:p>
-          </p:txBody>
-        </p:sp>
-      </p:grpSp>
-      <p:grpSp>
-        <p:nvGrpSpPr>
-          <p:cNvPr id="50" name="组合 49"/>
-          <p:cNvGrpSpPr/>
-          <p:nvPr/>
-        </p:nvGrpSpPr>
-        <p:grpSpPr>
-          <a:xfrm>
-            <a:off x="3250161" y="4467022"/>
-            <a:ext cx="3050031" cy="2274346"/>
-            <a:chOff x="18120" y="4323006"/>
-            <a:chExt cx="3050031" cy="2274346"/>
-          </a:xfrm>
-        </p:grpSpPr>
-        <p:grpSp>
-          <p:nvGrpSpPr>
-            <p:cNvPr id="51" name="组合 50"/>
-            <p:cNvGrpSpPr/>
-            <p:nvPr/>
-          </p:nvGrpSpPr>
-          <p:grpSpPr>
-            <a:xfrm>
-              <a:off x="18120" y="4323006"/>
-              <a:ext cx="2744881" cy="2274346"/>
-              <a:chOff x="836635" y="3861048"/>
-              <a:chExt cx="2744881" cy="2274346"/>
-            </a:xfrm>
-          </p:grpSpPr>
-          <p:pic>
-            <p:nvPicPr>
-              <p:cNvPr id="54" name="图片 53"/>
-              <p:cNvPicPr>
-                <a:picLocks noChangeAspect="1"/>
-              </p:cNvPicPr>
-              <p:nvPr/>
-            </p:nvPicPr>
-            <p:blipFill>
-              <a:blip r:embed="rId6">
-                <a:extLst>
-                  <a:ext uri="{28A0092B-C50C-407E-A947-70E740481C1C}">
-                    <a14:useLocalDpi xmlns:a14="http://schemas.microsoft.com/office/drawing/2010/main" val="0"/>
-                  </a:ext>
-                </a:extLst>
-              </a:blip>
-              <a:stretch>
-                <a:fillRect/>
-              </a:stretch>
-            </p:blipFill>
-            <p:spPr>
-              <a:xfrm>
-                <a:off x="836635" y="4334918"/>
-                <a:ext cx="1676634" cy="1800476"/>
-              </a:xfrm>
-              <a:prstGeom prst="rect">
-                <a:avLst/>
-              </a:prstGeom>
-            </p:spPr>
-          </p:pic>
-          <p:pic>
-            <p:nvPicPr>
-              <p:cNvPr id="55" name="图片 54"/>
-              <p:cNvPicPr>
-                <a:picLocks noChangeAspect="1"/>
-              </p:cNvPicPr>
-              <p:nvPr/>
-            </p:nvPicPr>
-            <p:blipFill>
-              <a:blip r:embed="rId7">
-                <a:extLst>
-                  <a:ext uri="{28A0092B-C50C-407E-A947-70E740481C1C}">
-                    <a14:useLocalDpi xmlns:a14="http://schemas.microsoft.com/office/drawing/2010/main" val="0"/>
-                  </a:ext>
-                </a:extLst>
-              </a:blip>
-              <a:stretch>
-                <a:fillRect/>
-              </a:stretch>
-            </p:blipFill>
-            <p:spPr>
-              <a:xfrm>
-                <a:off x="2362316" y="3861048"/>
-                <a:ext cx="1219200" cy="1219200"/>
-              </a:xfrm>
-              <a:prstGeom prst="rect">
-                <a:avLst/>
-              </a:prstGeom>
-            </p:spPr>
-          </p:pic>
-        </p:grpSp>
-        <p:sp>
-          <p:nvSpPr>
-            <p:cNvPr id="52" name="TextBox 51"/>
-            <p:cNvSpPr txBox="1"/>
-            <p:nvPr/>
-          </p:nvSpPr>
-          <p:spPr>
-            <a:xfrm rot="-2700000">
-              <a:off x="1627991" y="5612279"/>
-              <a:ext cx="1440160" cy="369332"/>
-            </a:xfrm>
-            <a:prstGeom prst="rect">
-              <a:avLst/>
-            </a:prstGeom>
-            <a:noFill/>
-          </p:spPr>
-          <p:txBody>
-            <a:bodyPr wrap="square" rtlCol="0">
-              <a:spAutoFit/>
-            </a:bodyPr>
-            <a:lstStyle/>
-            <a:p>
-              <a:r>
-                <a:rPr lang="en-US" altLang="zh-CN" dirty="0" smtClean="0"/>
-                <a:t>COMMIT</a:t>
-              </a:r>
-              <a:endParaRPr lang="zh-CN" altLang="en-US" dirty="0"/>
-            </a:p>
-          </p:txBody>
-        </p:sp>
-        <p:sp>
-          <p:nvSpPr>
-            <p:cNvPr id="53" name="右箭头 52"/>
-            <p:cNvSpPr/>
-            <p:nvPr/>
-          </p:nvSpPr>
-          <p:spPr>
-            <a:xfrm rot="-2700000">
-              <a:off x="1630908" y="5738220"/>
-              <a:ext cx="650441" cy="230938"/>
-            </a:xfrm>
-            <a:prstGeom prst="rightArrow">
-              <a:avLst/>
-            </a:prstGeom>
-          </p:spPr>
-          <p:style>
-            <a:lnRef idx="2">
-              <a:schemeClr val="accent1">
-                <a:shade val="50000"/>
-              </a:schemeClr>
-            </a:lnRef>
-            <a:fillRef idx="1">
-              <a:schemeClr val="accent1"/>
-            </a:fillRef>
-            <a:effectRef idx="0">
-              <a:schemeClr val="accent1"/>
-            </a:effectRef>
-            <a:fontRef idx="minor">
-              <a:schemeClr val="lt1"/>
-            </a:fontRef>
-          </p:style>
-          <p:txBody>
-            <a:bodyPr rtlCol="0" anchor="ctr"/>
-            <a:lstStyle/>
-            <a:p>
-              <a:pPr algn="ctr"/>
-              <a:endParaRPr lang="zh-CN" altLang="en-US"/>
+              <a:endParaRPr lang="zh-CN" altLang="en-US" sz="900" b="1" dirty="0"/>
             </a:p>
           </p:txBody>
         </p:sp>
